--- a/hr연습문제.pptx
+++ b/hr연습문제.pptx
@@ -10,7 +10,6 @@
     <p:sldId id="259" r:id="rId4"/>
     <p:sldId id="260" r:id="rId5"/>
     <p:sldId id="261" r:id="rId6"/>
-    <p:sldId id="262" r:id="rId7"/>
   </p:sldIdLst>
   <p:sldSz cx="6858000" cy="9906000" type="A4"/>
   <p:notesSz cx="6858000" cy="9144000"/>
@@ -2992,12 +2991,29 @@
             <p:ph type="ctrTitle"/>
           </p:nvPr>
         </p:nvSpPr>
-        <p:spPr/>
-        <p:txBody>
-          <a:bodyPr/>
+        <p:spPr>
+          <a:xfrm>
+            <a:off x="558800" y="2228849"/>
+            <a:ext cx="5829300" cy="1050397"/>
+          </a:xfrm>
+        </p:spPr>
+        <p:txBody>
+          <a:bodyPr>
+            <a:normAutofit fontScale="90000"/>
+          </a:bodyPr>
           <a:lstStyle/>
           <a:p>
-            <a:endParaRPr lang="ko-KR" altLang="en-US"/>
+            <a:r>
+              <a:rPr lang="ko-KR" altLang="en-US" dirty="0"/>
+              <a:t>데이터 베이스 </a:t>
+            </a:r>
+            <a:br>
+              <a:rPr lang="en-US" altLang="ko-KR" dirty="0"/>
+            </a:br>
+            <a:r>
+              <a:rPr lang="ko-KR" altLang="en-US" dirty="0"/>
+              <a:t>실습 </a:t>
+            </a:r>
           </a:p>
         </p:txBody>
       </p:sp>
@@ -3022,7 +3038,14 @@
           <a:bodyPr/>
           <a:lstStyle/>
           <a:p>
-            <a:endParaRPr lang="ko-KR" altLang="en-US"/>
+            <a:r>
+              <a:rPr lang="en-US" altLang="ko-KR" dirty="0"/>
+              <a:t>HR </a:t>
+            </a:r>
+            <a:r>
+              <a:rPr lang="ko-KR" altLang="en-US" dirty="0"/>
+              <a:t>데이터 베이스 연습문제 </a:t>
+            </a:r>
           </a:p>
         </p:txBody>
       </p:sp>
@@ -4971,7 +4994,7 @@
         <p:spPr>
           <a:xfrm>
             <a:off x="203200" y="395584"/>
-            <a:ext cx="6487886" cy="9233297"/>
+            <a:ext cx="6487886" cy="8894743"/>
           </a:xfrm>
           <a:prstGeom prst="rect">
             <a:avLst/>
@@ -5106,9 +5129,6 @@
             <a:endParaRPr lang="en-US" altLang="ko-KR" sz="1100" dirty="0"/>
           </a:p>
           <a:p>
-            <a:endParaRPr lang="en-US" altLang="ko-KR" sz="1100" dirty="0"/>
-          </a:p>
-          <a:p>
             <a:endParaRPr lang="ko-KR" altLang="en-US" sz="1100" dirty="0"/>
           </a:p>
           <a:p>
@@ -5163,9 +5183,6 @@
             <a:endParaRPr lang="en-US" altLang="ko-KR" sz="1100" dirty="0"/>
           </a:p>
           <a:p>
-            <a:endParaRPr lang="en-US" altLang="ko-KR" sz="1100" dirty="0"/>
-          </a:p>
-          <a:p>
             <a:endParaRPr lang="ko-KR" altLang="en-US" sz="1100" dirty="0"/>
           </a:p>
           <a:p>
@@ -5236,7 +5253,13 @@
             <a:endParaRPr lang="en-US" altLang="ko-KR" sz="1100" dirty="0"/>
           </a:p>
           <a:p>
-            <a:endParaRPr lang="ko-KR" altLang="en-US" sz="1100" dirty="0"/>
+            <a:endParaRPr lang="en-US" altLang="ko-KR" sz="1100" dirty="0"/>
+          </a:p>
+          <a:p>
+            <a:endParaRPr lang="en-US" altLang="ko-KR" sz="1100" dirty="0"/>
+          </a:p>
+          <a:p>
+            <a:endParaRPr lang="en-US" altLang="ko-KR" sz="1100" dirty="0"/>
           </a:p>
           <a:p>
             <a:r>
@@ -5271,12 +5294,6 @@
               <a:rPr lang="ko-KR" altLang="en-US" sz="1100" dirty="0"/>
               <a:t> 단, 커미션 정보가 없는 직원들도 있는 데 커미션이 없는 직원 그룹은 ‘&lt;커미션 없음&gt;’이 출력되게 한다.</a:t>
             </a:r>
-            <a:endParaRPr lang="en-US" altLang="ko-KR" sz="1100" dirty="0"/>
-          </a:p>
-          <a:p>
-            <a:endParaRPr lang="en-US" altLang="ko-KR" sz="1100" dirty="0"/>
-          </a:p>
-          <a:p>
             <a:endParaRPr lang="en-US" altLang="ko-KR" sz="1100" dirty="0"/>
           </a:p>
           <a:p>
@@ -5422,40 +5439,218 @@
           </a:p>
         </p:txBody>
       </p:sp>
+      <p:pic>
+        <p:nvPicPr>
+          <p:cNvPr id="3" name="그림 2">
+            <a:extLst>
+              <a:ext uri="{FF2B5EF4-FFF2-40B4-BE49-F238E27FC236}">
+                <a16:creationId xmlns:a16="http://schemas.microsoft.com/office/drawing/2014/main" id="{6ECE6D10-B776-47FE-B497-066352FFA029}"/>
+              </a:ext>
+            </a:extLst>
+          </p:cNvPr>
+          <p:cNvPicPr>
+            <a:picLocks noChangeAspect="1"/>
+          </p:cNvPicPr>
+          <p:nvPr/>
+        </p:nvPicPr>
+        <p:blipFill>
+          <a:blip r:embed="rId2"/>
+          <a:stretch>
+            <a:fillRect/>
+          </a:stretch>
+        </p:blipFill>
+        <p:spPr>
+          <a:xfrm>
+            <a:off x="500062" y="985837"/>
+            <a:ext cx="1700213" cy="1189782"/>
+          </a:xfrm>
+          <a:prstGeom prst="rect">
+            <a:avLst/>
+          </a:prstGeom>
+        </p:spPr>
+      </p:pic>
+      <p:pic>
+        <p:nvPicPr>
+          <p:cNvPr id="5" name="그림 4">
+            <a:extLst>
+              <a:ext uri="{FF2B5EF4-FFF2-40B4-BE49-F238E27FC236}">
+                <a16:creationId xmlns:a16="http://schemas.microsoft.com/office/drawing/2014/main" id="{D2083EC8-B5AC-4A75-B93F-E0D7CF7CF849}"/>
+              </a:ext>
+            </a:extLst>
+          </p:cNvPr>
+          <p:cNvPicPr>
+            <a:picLocks noChangeAspect="1"/>
+          </p:cNvPicPr>
+          <p:nvPr/>
+        </p:nvPicPr>
+        <p:blipFill>
+          <a:blip r:embed="rId3"/>
+          <a:stretch>
+            <a:fillRect/>
+          </a:stretch>
+        </p:blipFill>
+        <p:spPr>
+          <a:xfrm>
+            <a:off x="500062" y="4171917"/>
+            <a:ext cx="2623073" cy="992041"/>
+          </a:xfrm>
+          <a:prstGeom prst="rect">
+            <a:avLst/>
+          </a:prstGeom>
+        </p:spPr>
+      </p:pic>
+      <p:pic>
+        <p:nvPicPr>
+          <p:cNvPr id="7" name="그림 6">
+            <a:extLst>
+              <a:ext uri="{FF2B5EF4-FFF2-40B4-BE49-F238E27FC236}">
+                <a16:creationId xmlns:a16="http://schemas.microsoft.com/office/drawing/2014/main" id="{E5749539-7758-4D96-9EFE-12756A327ACA}"/>
+              </a:ext>
+            </a:extLst>
+          </p:cNvPr>
+          <p:cNvPicPr>
+            <a:picLocks noChangeAspect="1"/>
+          </p:cNvPicPr>
+          <p:nvPr/>
+        </p:nvPicPr>
+        <p:blipFill rotWithShape="1">
+          <a:blip r:embed="rId4"/>
+          <a:srcRect b="44570"/>
+          <a:stretch/>
+        </p:blipFill>
+        <p:spPr>
+          <a:xfrm>
+            <a:off x="500062" y="2638426"/>
+            <a:ext cx="2002141" cy="1066800"/>
+          </a:xfrm>
+          <a:prstGeom prst="rect">
+            <a:avLst/>
+          </a:prstGeom>
+        </p:spPr>
+      </p:pic>
+      <p:pic>
+        <p:nvPicPr>
+          <p:cNvPr id="9" name="그림 8">
+            <a:extLst>
+              <a:ext uri="{FF2B5EF4-FFF2-40B4-BE49-F238E27FC236}">
+                <a16:creationId xmlns:a16="http://schemas.microsoft.com/office/drawing/2014/main" id="{E760C7DC-7FA5-48A9-A3A8-15AC3D4A786D}"/>
+              </a:ext>
+            </a:extLst>
+          </p:cNvPr>
+          <p:cNvPicPr>
+            <a:picLocks noChangeAspect="1"/>
+          </p:cNvPicPr>
+          <p:nvPr/>
+        </p:nvPicPr>
+        <p:blipFill rotWithShape="1">
+          <a:blip r:embed="rId4"/>
+          <a:srcRect t="55430"/>
+          <a:stretch/>
+        </p:blipFill>
+        <p:spPr>
+          <a:xfrm>
+            <a:off x="2923110" y="2794400"/>
+            <a:ext cx="2002141" cy="857802"/>
+          </a:xfrm>
+          <a:prstGeom prst="rect">
+            <a:avLst/>
+          </a:prstGeom>
+        </p:spPr>
+      </p:pic>
+      <p:pic>
+        <p:nvPicPr>
+          <p:cNvPr id="10" name="그림 9">
+            <a:extLst>
+              <a:ext uri="{FF2B5EF4-FFF2-40B4-BE49-F238E27FC236}">
+                <a16:creationId xmlns:a16="http://schemas.microsoft.com/office/drawing/2014/main" id="{2BEA7046-465D-468E-BA1C-EB70183506C0}"/>
+              </a:ext>
+            </a:extLst>
+          </p:cNvPr>
+          <p:cNvPicPr>
+            <a:picLocks noChangeAspect="1"/>
+          </p:cNvPicPr>
+          <p:nvPr/>
+        </p:nvPicPr>
+        <p:blipFill>
+          <a:blip r:embed="rId5"/>
+          <a:stretch>
+            <a:fillRect/>
+          </a:stretch>
+        </p:blipFill>
+        <p:spPr>
+          <a:xfrm>
+            <a:off x="500062" y="5698806"/>
+            <a:ext cx="2781300" cy="1290320"/>
+          </a:xfrm>
+          <a:prstGeom prst="rect">
+            <a:avLst/>
+          </a:prstGeom>
+        </p:spPr>
+      </p:pic>
+      <p:pic>
+        <p:nvPicPr>
+          <p:cNvPr id="13" name="그림 12">
+            <a:extLst>
+              <a:ext uri="{FF2B5EF4-FFF2-40B4-BE49-F238E27FC236}">
+                <a16:creationId xmlns:a16="http://schemas.microsoft.com/office/drawing/2014/main" id="{1BFCD0E9-3A23-4BD2-8844-ED015035DFC3}"/>
+              </a:ext>
+            </a:extLst>
+          </p:cNvPr>
+          <p:cNvPicPr>
+            <a:picLocks noChangeAspect="1"/>
+          </p:cNvPicPr>
+          <p:nvPr/>
+        </p:nvPicPr>
+        <p:blipFill>
+          <a:blip r:embed="rId6"/>
+          <a:stretch>
+            <a:fillRect/>
+          </a:stretch>
+        </p:blipFill>
+        <p:spPr>
+          <a:xfrm>
+            <a:off x="500062" y="7523974"/>
+            <a:ext cx="1314178" cy="913426"/>
+          </a:xfrm>
+          <a:prstGeom prst="rect">
+            <a:avLst/>
+          </a:prstGeom>
+        </p:spPr>
+      </p:pic>
+      <p:pic>
+        <p:nvPicPr>
+          <p:cNvPr id="15" name="그림 14">
+            <a:extLst>
+              <a:ext uri="{FF2B5EF4-FFF2-40B4-BE49-F238E27FC236}">
+                <a16:creationId xmlns:a16="http://schemas.microsoft.com/office/drawing/2014/main" id="{34EB4876-8CFF-4F79-A9A0-2F175487F66B}"/>
+              </a:ext>
+            </a:extLst>
+          </p:cNvPr>
+          <p:cNvPicPr>
+            <a:picLocks noChangeAspect="1"/>
+          </p:cNvPicPr>
+          <p:nvPr/>
+        </p:nvPicPr>
+        <p:blipFill>
+          <a:blip r:embed="rId7"/>
+          <a:stretch>
+            <a:fillRect/>
+          </a:stretch>
+        </p:blipFill>
+        <p:spPr>
+          <a:xfrm>
+            <a:off x="1350168" y="9109126"/>
+            <a:ext cx="2891003" cy="673632"/>
+          </a:xfrm>
+          <a:prstGeom prst="rect">
+            <a:avLst/>
+          </a:prstGeom>
+        </p:spPr>
+      </p:pic>
     </p:spTree>
     <p:extLst>
       <p:ext uri="{BB962C8B-B14F-4D97-AF65-F5344CB8AC3E}">
         <p14:creationId xmlns:p14="http://schemas.microsoft.com/office/powerpoint/2010/main" val="2509425688"/>
-      </p:ext>
-    </p:extLst>
-  </p:cSld>
-  <p:clrMapOvr>
-    <a:masterClrMapping/>
-  </p:clrMapOvr>
-</p:sld>
-</file>
-
-<file path=ppt/slides/slide6.xml><?xml version="1.0" encoding="utf-8"?>
-<p:sld xmlns:a="http://schemas.openxmlformats.org/drawingml/2006/main" xmlns:r="http://schemas.openxmlformats.org/officeDocument/2006/relationships" xmlns:p="http://schemas.openxmlformats.org/presentationml/2006/main">
-  <p:cSld>
-    <p:spTree>
-      <p:nvGrpSpPr>
-        <p:cNvPr id="1" name=""/>
-        <p:cNvGrpSpPr/>
-        <p:nvPr/>
-      </p:nvGrpSpPr>
-      <p:grpSpPr>
-        <a:xfrm>
-          <a:off x="0" y="0"/>
-          <a:ext cx="0" cy="0"/>
-          <a:chOff x="0" y="0"/>
-          <a:chExt cx="0" cy="0"/>
-        </a:xfrm>
-      </p:grpSpPr>
-    </p:spTree>
-    <p:extLst>
-      <p:ext uri="{BB962C8B-B14F-4D97-AF65-F5344CB8AC3E}">
-        <p14:creationId xmlns:p14="http://schemas.microsoft.com/office/powerpoint/2010/main" val="1251924205"/>
       </p:ext>
     </p:extLst>
   </p:cSld>
